--- a/framework/images/accessory/language_diagram.pptx
+++ b/framework/images/accessory/language_diagram.pptx
@@ -1046,10 +1046,10 @@
         <a:lstStyle/>
         <a:p>
           <a:r>
-            <a:rPr lang="en-US" sz="1400" b="1" dirty="0" err="1" smtClean="0"/>
+            <a:rPr lang="en-US" sz="1200" b="1" dirty="0" err="1"/>
             <a:t>TypeScript</a:t>
           </a:r>
-          <a:endParaRPr lang="en-US" sz="1400" dirty="0"/>
+          <a:endParaRPr lang="en-US" sz="1200" dirty="0"/>
         </a:p>
       </dgm:t>
     </dgm:pt>
@@ -1060,7 +1060,7 @@
         <a:bodyPr/>
         <a:lstStyle/>
         <a:p>
-          <a:endParaRPr lang="en-US"/>
+          <a:endParaRPr lang="en-US" sz="1600"/>
         </a:p>
       </dgm:t>
     </dgm:pt>
@@ -1071,22 +1071,21 @@
         <a:bodyPr/>
         <a:lstStyle/>
         <a:p>
-          <a:endParaRPr lang="en-US"/>
+          <a:endParaRPr lang="en-US" sz="1600"/>
         </a:p>
       </dgm:t>
     </dgm:pt>
     <dgm:pt modelId="{A4AF49ED-80A5-4F5D-B37F-1CA03CA4D9D3}">
-      <dgm:prSet phldrT="[Text]"/>
+      <dgm:prSet phldrT="[Text]" custT="1"/>
       <dgm:spPr/>
       <dgm:t>
         <a:bodyPr/>
         <a:lstStyle/>
         <a:p>
           <a:r>
-            <a:rPr lang="en-US" dirty="0" smtClean="0"/>
-            <a:t>STL &amp; Collection</a:t>
+            <a:rPr lang="en-US" sz="700" b="1" dirty="0"/>
+            <a:t>Fast Development</a:t>
           </a:r>
-          <a:endParaRPr lang="en-US" dirty="0"/>
         </a:p>
       </dgm:t>
     </dgm:pt>
@@ -1097,7 +1096,7 @@
         <a:bodyPr/>
         <a:lstStyle/>
         <a:p>
-          <a:endParaRPr lang="en-US"/>
+          <a:endParaRPr lang="en-US" sz="1600"/>
         </a:p>
       </dgm:t>
     </dgm:pt>
@@ -1108,22 +1107,21 @@
         <a:bodyPr/>
         <a:lstStyle/>
         <a:p>
-          <a:endParaRPr lang="en-US"/>
+          <a:endParaRPr lang="en-US" sz="1600"/>
         </a:p>
       </dgm:t>
     </dgm:pt>
     <dgm:pt modelId="{1875DFC0-C60C-4AD7-8037-EACF26C121E1}">
-      <dgm:prSet phldrT="[Text]"/>
+      <dgm:prSet phldrT="[Text]" custT="1"/>
       <dgm:spPr/>
       <dgm:t>
         <a:bodyPr/>
         <a:lstStyle/>
         <a:p>
           <a:r>
-            <a:rPr lang="en-US" dirty="0" smtClean="0"/>
+            <a:rPr lang="en-US" sz="700" dirty="0"/>
             <a:t>Cloud Application</a:t>
           </a:r>
-          <a:endParaRPr lang="en-US" dirty="0"/>
         </a:p>
       </dgm:t>
     </dgm:pt>
@@ -1134,7 +1132,7 @@
         <a:bodyPr/>
         <a:lstStyle/>
         <a:p>
-          <a:endParaRPr lang="en-US"/>
+          <a:endParaRPr lang="en-US" sz="1600"/>
         </a:p>
       </dgm:t>
     </dgm:pt>
@@ -1145,22 +1143,21 @@
         <a:bodyPr/>
         <a:lstStyle/>
         <a:p>
-          <a:endParaRPr lang="en-US"/>
+          <a:endParaRPr lang="en-US" sz="1600"/>
         </a:p>
       </dgm:t>
     </dgm:pt>
     <dgm:pt modelId="{AE72B54D-5B4A-436F-9F39-E599D3789AA3}">
-      <dgm:prSet phldrT="[Text]"/>
+      <dgm:prSet phldrT="[Text]" custT="1"/>
       <dgm:spPr/>
       <dgm:t>
         <a:bodyPr/>
         <a:lstStyle/>
         <a:p>
           <a:r>
-            <a:rPr lang="en-US" dirty="0" smtClean="0"/>
+            <a:rPr lang="en-US" sz="700" dirty="0"/>
             <a:t>Cloud Server</a:t>
           </a:r>
-          <a:endParaRPr lang="en-US" dirty="0"/>
         </a:p>
       </dgm:t>
     </dgm:pt>
@@ -1171,7 +1168,7 @@
         <a:bodyPr/>
         <a:lstStyle/>
         <a:p>
-          <a:endParaRPr lang="en-US"/>
+          <a:endParaRPr lang="en-US" sz="1600"/>
         </a:p>
       </dgm:t>
     </dgm:pt>
@@ -1182,7 +1179,7 @@
         <a:bodyPr/>
         <a:lstStyle/>
         <a:p>
-          <a:endParaRPr lang="en-US"/>
+          <a:endParaRPr lang="en-US" sz="1600"/>
         </a:p>
       </dgm:t>
     </dgm:pt>
@@ -1194,10 +1191,9 @@
         <a:lstStyle/>
         <a:p>
           <a:r>
-            <a:rPr lang="en-US" sz="1400" b="1" dirty="0" smtClean="0"/>
+            <a:rPr lang="en-US" sz="1200" b="1" dirty="0"/>
             <a:t>C++</a:t>
           </a:r>
-          <a:endParaRPr lang="en-US" sz="1400" b="1" dirty="0"/>
         </a:p>
       </dgm:t>
     </dgm:pt>
@@ -1208,7 +1204,7 @@
         <a:bodyPr/>
         <a:lstStyle/>
         <a:p>
-          <a:endParaRPr lang="en-US"/>
+          <a:endParaRPr lang="en-US" sz="1600"/>
         </a:p>
       </dgm:t>
     </dgm:pt>
@@ -1219,22 +1215,21 @@
         <a:bodyPr/>
         <a:lstStyle/>
         <a:p>
-          <a:endParaRPr lang="en-US"/>
+          <a:endParaRPr lang="en-US" sz="1600"/>
         </a:p>
       </dgm:t>
     </dgm:pt>
     <dgm:pt modelId="{6CFFAED5-134F-4E9F-9BA9-9A5612500730}">
-      <dgm:prSet phldrT="[Text]"/>
+      <dgm:prSet phldrT="[Text]" custT="1"/>
       <dgm:spPr/>
       <dgm:t>
         <a:bodyPr/>
         <a:lstStyle/>
         <a:p>
           <a:r>
-            <a:rPr lang="en-US" dirty="0" smtClean="0"/>
-            <a:t>Libraries</a:t>
+            <a:rPr lang="en-US" sz="700" b="1" dirty="0"/>
+            <a:t>Improvement</a:t>
           </a:r>
-          <a:endParaRPr lang="en-US" dirty="0"/>
         </a:p>
       </dgm:t>
     </dgm:pt>
@@ -1245,7 +1240,7 @@
         <a:bodyPr/>
         <a:lstStyle/>
         <a:p>
-          <a:endParaRPr lang="en-US"/>
+          <a:endParaRPr lang="en-US" sz="1600"/>
         </a:p>
       </dgm:t>
     </dgm:pt>
@@ -1256,59 +1251,21 @@
         <a:bodyPr/>
         <a:lstStyle/>
         <a:p>
-          <a:endParaRPr lang="en-US"/>
+          <a:endParaRPr lang="en-US" sz="1600"/>
         </a:p>
       </dgm:t>
     </dgm:pt>
-    <dgm:pt modelId="{C6879D36-0C11-4156-A754-E9D390ED8206}">
-      <dgm:prSet phldrT="[Text]"/>
+    <dgm:pt modelId="{FCEE18AC-50A5-4114-822A-7ECCE426A5AE}">
+      <dgm:prSet phldrT="[Text]" custT="1"/>
       <dgm:spPr/>
       <dgm:t>
         <a:bodyPr/>
         <a:lstStyle/>
         <a:p>
           <a:r>
-            <a:rPr lang="en-US" dirty="0" smtClean="0"/>
-            <a:t>Cloud Server</a:t>
-          </a:r>
-          <a:endParaRPr lang="en-US" dirty="0"/>
-        </a:p>
-      </dgm:t>
-    </dgm:pt>
-    <dgm:pt modelId="{9AC0E236-DD14-4607-BE67-F46E52972215}" type="parTrans" cxnId="{4A0E72AA-7106-492E-A457-167851EB99B0}">
-      <dgm:prSet/>
-      <dgm:spPr/>
-      <dgm:t>
-        <a:bodyPr/>
-        <a:lstStyle/>
-        <a:p>
-          <a:endParaRPr lang="en-US"/>
-        </a:p>
-      </dgm:t>
-    </dgm:pt>
-    <dgm:pt modelId="{EB0616B7-1C97-4B35-9BB7-BA89E0DE1C0A}" type="sibTrans" cxnId="{4A0E72AA-7106-492E-A457-167851EB99B0}">
-      <dgm:prSet/>
-      <dgm:spPr/>
-      <dgm:t>
-        <a:bodyPr/>
-        <a:lstStyle/>
-        <a:p>
-          <a:endParaRPr lang="en-US"/>
-        </a:p>
-      </dgm:t>
-    </dgm:pt>
-    <dgm:pt modelId="{FCEE18AC-50A5-4114-822A-7ECCE426A5AE}">
-      <dgm:prSet phldrT="[Text]"/>
-      <dgm:spPr/>
-      <dgm:t>
-        <a:bodyPr/>
-        <a:lstStyle/>
-        <a:p>
-          <a:r>
-            <a:rPr lang="en-US" dirty="0" smtClean="0"/>
+            <a:rPr lang="en-US" sz="700" dirty="0"/>
             <a:t>Distributed System</a:t>
           </a:r>
-          <a:endParaRPr lang="en-US" dirty="0"/>
         </a:p>
       </dgm:t>
     </dgm:pt>
@@ -1319,7 +1276,7 @@
         <a:bodyPr/>
         <a:lstStyle/>
         <a:p>
-          <a:endParaRPr lang="en-US"/>
+          <a:endParaRPr lang="en-US" sz="1600"/>
         </a:p>
       </dgm:t>
     </dgm:pt>
@@ -1330,7 +1287,7 @@
         <a:bodyPr/>
         <a:lstStyle/>
         <a:p>
-          <a:endParaRPr lang="en-US"/>
+          <a:endParaRPr lang="en-US" sz="1600"/>
         </a:p>
       </dgm:t>
     </dgm:pt>
@@ -1342,10 +1299,9 @@
         <a:lstStyle/>
         <a:p>
           <a:r>
-            <a:rPr lang="en-US" sz="1400" b="1" dirty="0" smtClean="0"/>
+            <a:rPr lang="en-US" sz="1200" b="1" dirty="0"/>
             <a:t>S.F.</a:t>
           </a:r>
-          <a:endParaRPr lang="en-US" sz="1400" b="1" dirty="0"/>
         </a:p>
       </dgm:t>
     </dgm:pt>
@@ -1356,7 +1312,7 @@
         <a:bodyPr/>
         <a:lstStyle/>
         <a:p>
-          <a:endParaRPr lang="en-US"/>
+          <a:endParaRPr lang="en-US" sz="1600"/>
         </a:p>
       </dgm:t>
     </dgm:pt>
@@ -1367,22 +1323,25 @@
         <a:bodyPr/>
         <a:lstStyle/>
         <a:p>
-          <a:endParaRPr lang="en-US"/>
+          <a:endParaRPr lang="en-US" sz="1600"/>
         </a:p>
       </dgm:t>
     </dgm:pt>
     <dgm:pt modelId="{AD190890-9BAF-46BE-A6BD-71B328E1391D}">
-      <dgm:prSet phldrT="[Text]"/>
+      <dgm:prSet phldrT="[Text]" custT="1"/>
       <dgm:spPr/>
       <dgm:t>
         <a:bodyPr/>
         <a:lstStyle/>
         <a:p>
           <a:r>
-            <a:rPr lang="en-US" dirty="0" smtClean="0"/>
-            <a:t>Invoke &amp; Entity</a:t>
+            <a:rPr lang="en-US" sz="700" b="1" dirty="0"/>
+            <a:t>Samchon Framewor</a:t>
           </a:r>
-          <a:endParaRPr lang="en-US" dirty="0"/>
+          <a:r>
+            <a:rPr lang="en-US" sz="700" dirty="0"/>
+            <a:t>k</a:t>
+          </a:r>
         </a:p>
       </dgm:t>
     </dgm:pt>
@@ -1393,7 +1352,7 @@
         <a:bodyPr/>
         <a:lstStyle/>
         <a:p>
-          <a:endParaRPr lang="en-US"/>
+          <a:endParaRPr lang="en-US" sz="1600"/>
         </a:p>
       </dgm:t>
     </dgm:pt>
@@ -1404,22 +1363,21 @@
         <a:bodyPr/>
         <a:lstStyle/>
         <a:p>
-          <a:endParaRPr lang="en-US"/>
+          <a:endParaRPr lang="en-US" sz="1600"/>
         </a:p>
       </dgm:t>
     </dgm:pt>
     <dgm:pt modelId="{275AE731-C057-4965-A3CA-61C4A92B2315}">
-      <dgm:prSet phldrT="[Text]"/>
+      <dgm:prSet phldrT="[Text]" custT="1"/>
       <dgm:spPr/>
       <dgm:t>
         <a:bodyPr/>
         <a:lstStyle/>
         <a:p>
           <a:r>
-            <a:rPr lang="en-US" dirty="0" smtClean="0"/>
-            <a:t>Basic Components</a:t>
+            <a:rPr lang="en-US" sz="700" dirty="0"/>
+            <a:t>OON</a:t>
           </a:r>
-          <a:endParaRPr lang="en-US" dirty="0"/>
         </a:p>
       </dgm:t>
     </dgm:pt>
@@ -1430,7 +1388,7 @@
         <a:bodyPr/>
         <a:lstStyle/>
         <a:p>
-          <a:endParaRPr lang="en-US"/>
+          <a:endParaRPr lang="en-US" sz="1600"/>
         </a:p>
       </dgm:t>
     </dgm:pt>
@@ -1441,22 +1399,21 @@
         <a:bodyPr/>
         <a:lstStyle/>
         <a:p>
-          <a:endParaRPr lang="en-US"/>
+          <a:endParaRPr lang="en-US" sz="1600"/>
         </a:p>
       </dgm:t>
     </dgm:pt>
     <dgm:pt modelId="{95984D8D-AD49-468A-BC3A-E55DBBBC5FD1}">
-      <dgm:prSet phldrT="[Text]"/>
+      <dgm:prSet phldrT="[Text]" custT="1"/>
       <dgm:spPr/>
       <dgm:t>
         <a:bodyPr/>
         <a:lstStyle/>
         <a:p>
           <a:r>
-            <a:rPr lang="en-US" dirty="0" smtClean="0"/>
-            <a:t>System Templates</a:t>
+            <a:rPr lang="en-US" sz="700" dirty="0"/>
+            <a:t>TypeScript-STL</a:t>
           </a:r>
-          <a:endParaRPr lang="en-US" dirty="0"/>
         </a:p>
       </dgm:t>
     </dgm:pt>
@@ -1467,7 +1424,7 @@
         <a:bodyPr/>
         <a:lstStyle/>
         <a:p>
-          <a:endParaRPr lang="en-US"/>
+          <a:endParaRPr lang="en-US" sz="1600"/>
         </a:p>
       </dgm:t>
     </dgm:pt>
@@ -1478,7 +1435,43 @@
         <a:bodyPr/>
         <a:lstStyle/>
         <a:p>
-          <a:endParaRPr lang="en-US"/>
+          <a:endParaRPr lang="en-US" sz="1600"/>
+        </a:p>
+      </dgm:t>
+    </dgm:pt>
+    <dgm:pt modelId="{F3253CE0-5D4A-44BC-A8C5-F35681B655DD}">
+      <dgm:prSet phldrT="[Text]" custT="1"/>
+      <dgm:spPr/>
+      <dgm:t>
+        <a:bodyPr/>
+        <a:lstStyle/>
+        <a:p>
+          <a:r>
+            <a:rPr lang="en-US" sz="700" dirty="0"/>
+            <a:t>Performance Tuning</a:t>
+          </a:r>
+        </a:p>
+      </dgm:t>
+    </dgm:pt>
+    <dgm:pt modelId="{504C2168-447F-4022-B9FC-AA92B68DD484}" type="parTrans" cxnId="{A4170FC7-30BA-4C2E-A99C-946B7C98D01C}">
+      <dgm:prSet/>
+      <dgm:spPr/>
+      <dgm:t>
+        <a:bodyPr/>
+        <a:lstStyle/>
+        <a:p>
+          <a:endParaRPr lang="en-US" sz="1600"/>
+        </a:p>
+      </dgm:t>
+    </dgm:pt>
+    <dgm:pt modelId="{ADD55D53-816F-49CA-94BF-5D503388E525}" type="sibTrans" cxnId="{A4170FC7-30BA-4C2E-A99C-946B7C98D01C}">
+      <dgm:prSet/>
+      <dgm:spPr/>
+      <dgm:t>
+        <a:bodyPr/>
+        <a:lstStyle/>
+        <a:p>
+          <a:endParaRPr lang="en-US" sz="1600"/>
         </a:p>
       </dgm:t>
     </dgm:pt>
@@ -1500,35 +1493,14 @@
         </dgm:presLayoutVars>
       </dgm:prSet>
       <dgm:spPr/>
-      <dgm:t>
-        <a:bodyPr/>
-        <a:lstStyle/>
-        <a:p>
-          <a:endParaRPr lang="en-US"/>
-        </a:p>
-      </dgm:t>
     </dgm:pt>
     <dgm:pt modelId="{5D0D730D-75E3-48BA-80AB-8119D3C20D62}" type="pres">
       <dgm:prSet presAssocID="{00E576A4-E329-4DEE-9734-C32DE024787F}" presName="gear1srcNode" presStyleLbl="node1" presStyleIdx="0" presStyleCnt="3"/>
       <dgm:spPr/>
-      <dgm:t>
-        <a:bodyPr/>
-        <a:lstStyle/>
-        <a:p>
-          <a:endParaRPr lang="en-US"/>
-        </a:p>
-      </dgm:t>
     </dgm:pt>
     <dgm:pt modelId="{EA82A5E4-C829-4F63-95FD-0881F15CA93F}" type="pres">
       <dgm:prSet presAssocID="{00E576A4-E329-4DEE-9734-C32DE024787F}" presName="gear1dstNode" presStyleLbl="node1" presStyleIdx="0" presStyleCnt="3"/>
       <dgm:spPr/>
-      <dgm:t>
-        <a:bodyPr/>
-        <a:lstStyle/>
-        <a:p>
-          <a:endParaRPr lang="en-US"/>
-        </a:p>
-      </dgm:t>
     </dgm:pt>
     <dgm:pt modelId="{4FBA56E5-B152-41D7-9224-938F0EE42924}" type="pres">
       <dgm:prSet presAssocID="{00E576A4-E329-4DEE-9734-C32DE024787F}" presName="gear1ch" presStyleLbl="fgAcc1" presStyleIdx="0" presStyleCnt="3">
@@ -1538,13 +1510,6 @@
         </dgm:presLayoutVars>
       </dgm:prSet>
       <dgm:spPr/>
-      <dgm:t>
-        <a:bodyPr/>
-        <a:lstStyle/>
-        <a:p>
-          <a:endParaRPr lang="en-US"/>
-        </a:p>
-      </dgm:t>
     </dgm:pt>
     <dgm:pt modelId="{9D9ABDC5-8787-48DF-A492-9DAF529AF3EE}" type="pres">
       <dgm:prSet presAssocID="{491A2E80-3536-40FA-8C24-00EC6898117B}" presName="gear2" presStyleLbl="node1" presStyleIdx="1" presStyleCnt="3">
@@ -1554,35 +1519,14 @@
         </dgm:presLayoutVars>
       </dgm:prSet>
       <dgm:spPr/>
-      <dgm:t>
-        <a:bodyPr/>
-        <a:lstStyle/>
-        <a:p>
-          <a:endParaRPr lang="en-US"/>
-        </a:p>
-      </dgm:t>
     </dgm:pt>
     <dgm:pt modelId="{DAF18316-E414-4D1B-9D56-153E16963C31}" type="pres">
       <dgm:prSet presAssocID="{491A2E80-3536-40FA-8C24-00EC6898117B}" presName="gear2srcNode" presStyleLbl="node1" presStyleIdx="1" presStyleCnt="3"/>
       <dgm:spPr/>
-      <dgm:t>
-        <a:bodyPr/>
-        <a:lstStyle/>
-        <a:p>
-          <a:endParaRPr lang="en-US"/>
-        </a:p>
-      </dgm:t>
     </dgm:pt>
     <dgm:pt modelId="{3F30B174-2C15-4DA2-9706-0228FB5402D4}" type="pres">
       <dgm:prSet presAssocID="{491A2E80-3536-40FA-8C24-00EC6898117B}" presName="gear2dstNode" presStyleLbl="node1" presStyleIdx="1" presStyleCnt="3"/>
       <dgm:spPr/>
-      <dgm:t>
-        <a:bodyPr/>
-        <a:lstStyle/>
-        <a:p>
-          <a:endParaRPr lang="en-US"/>
-        </a:p>
-      </dgm:t>
     </dgm:pt>
     <dgm:pt modelId="{B8AF209C-C931-4973-A98D-174EFB0F0EA8}" type="pres">
       <dgm:prSet presAssocID="{491A2E80-3536-40FA-8C24-00EC6898117B}" presName="gear2ch" presStyleLbl="fgAcc1" presStyleIdx="1" presStyleCnt="3">
@@ -1592,24 +1536,10 @@
         </dgm:presLayoutVars>
       </dgm:prSet>
       <dgm:spPr/>
-      <dgm:t>
-        <a:bodyPr/>
-        <a:lstStyle/>
-        <a:p>
-          <a:endParaRPr lang="en-US"/>
-        </a:p>
-      </dgm:t>
     </dgm:pt>
     <dgm:pt modelId="{C2E8F758-4F7B-41E2-BDE9-45124B5514A6}" type="pres">
       <dgm:prSet presAssocID="{E27A7D8B-66CE-482F-AC7B-2BB9BF95D03D}" presName="gear3" presStyleLbl="node1" presStyleIdx="2" presStyleCnt="3"/>
       <dgm:spPr/>
-      <dgm:t>
-        <a:bodyPr/>
-        <a:lstStyle/>
-        <a:p>
-          <a:endParaRPr lang="en-US"/>
-        </a:p>
-      </dgm:t>
     </dgm:pt>
     <dgm:pt modelId="{71FB034B-300A-432E-801A-1041BA587723}" type="pres">
       <dgm:prSet presAssocID="{E27A7D8B-66CE-482F-AC7B-2BB9BF95D03D}" presName="gear3tx" presStyleLbl="node1" presStyleIdx="2" presStyleCnt="3">
@@ -1619,35 +1549,14 @@
         </dgm:presLayoutVars>
       </dgm:prSet>
       <dgm:spPr/>
-      <dgm:t>
-        <a:bodyPr/>
-        <a:lstStyle/>
-        <a:p>
-          <a:endParaRPr lang="en-US"/>
-        </a:p>
-      </dgm:t>
     </dgm:pt>
     <dgm:pt modelId="{13839BF8-2062-4962-8CD6-83C41F1CBA2F}" type="pres">
       <dgm:prSet presAssocID="{E27A7D8B-66CE-482F-AC7B-2BB9BF95D03D}" presName="gear3srcNode" presStyleLbl="node1" presStyleIdx="2" presStyleCnt="3"/>
       <dgm:spPr/>
-      <dgm:t>
-        <a:bodyPr/>
-        <a:lstStyle/>
-        <a:p>
-          <a:endParaRPr lang="en-US"/>
-        </a:p>
-      </dgm:t>
     </dgm:pt>
     <dgm:pt modelId="{10AFDC16-10E1-4780-8C3F-4CD095ACECF0}" type="pres">
       <dgm:prSet presAssocID="{E27A7D8B-66CE-482F-AC7B-2BB9BF95D03D}" presName="gear3dstNode" presStyleLbl="node1" presStyleIdx="2" presStyleCnt="3"/>
       <dgm:spPr/>
-      <dgm:t>
-        <a:bodyPr/>
-        <a:lstStyle/>
-        <a:p>
-          <a:endParaRPr lang="en-US"/>
-        </a:p>
-      </dgm:t>
     </dgm:pt>
     <dgm:pt modelId="{22F1F548-45DF-4817-949A-3A91AA9AD10E}" type="pres">
       <dgm:prSet presAssocID="{E27A7D8B-66CE-482F-AC7B-2BB9BF95D03D}" presName="gear3ch" presStyleLbl="fgAcc1" presStyleIdx="2" presStyleCnt="3">
@@ -1657,46 +1566,18 @@
         </dgm:presLayoutVars>
       </dgm:prSet>
       <dgm:spPr/>
-      <dgm:t>
-        <a:bodyPr/>
-        <a:lstStyle/>
-        <a:p>
-          <a:endParaRPr lang="en-US"/>
-        </a:p>
-      </dgm:t>
     </dgm:pt>
     <dgm:pt modelId="{BDE8D57F-F174-4C54-9A32-C79E03140175}" type="pres">
       <dgm:prSet presAssocID="{70448003-D72C-4CD4-A265-AF57B32FDEEA}" presName="connector1" presStyleLbl="sibTrans2D1" presStyleIdx="0" presStyleCnt="3"/>
       <dgm:spPr/>
-      <dgm:t>
-        <a:bodyPr/>
-        <a:lstStyle/>
-        <a:p>
-          <a:endParaRPr lang="en-US"/>
-        </a:p>
-      </dgm:t>
     </dgm:pt>
     <dgm:pt modelId="{2A537F5F-4281-4F77-91AC-0BDAD0AF1159}" type="pres">
       <dgm:prSet presAssocID="{03941930-6FAF-4F9D-B91B-DA2A58F19AC4}" presName="connector2" presStyleLbl="sibTrans2D1" presStyleIdx="1" presStyleCnt="3"/>
       <dgm:spPr/>
-      <dgm:t>
-        <a:bodyPr/>
-        <a:lstStyle/>
-        <a:p>
-          <a:endParaRPr lang="en-US"/>
-        </a:p>
-      </dgm:t>
     </dgm:pt>
     <dgm:pt modelId="{2F0CBB40-F51C-4795-BBC7-44BE60FA7F8A}" type="pres">
       <dgm:prSet presAssocID="{EE722976-EEB4-40BB-B67B-6E40422A2073}" presName="connector3" presStyleLbl="sibTrans2D1" presStyleIdx="2" presStyleCnt="3"/>
       <dgm:spPr/>
-      <dgm:t>
-        <a:bodyPr/>
-        <a:lstStyle/>
-        <a:p>
-          <a:endParaRPr lang="en-US"/>
-        </a:p>
-      </dgm:t>
     </dgm:pt>
   </dgm:ptLst>
   <dgm:cxnLst>
@@ -1707,31 +1588,31 @@
     <dgm:cxn modelId="{BF1F7115-938B-4C2D-B7CC-01760D303C6B}" type="presOf" srcId="{E27A7D8B-66CE-482F-AC7B-2BB9BF95D03D}" destId="{13839BF8-2062-4962-8CD6-83C41F1CBA2F}" srcOrd="2" destOrd="0" presId="urn:microsoft.com/office/officeart/2005/8/layout/gear1"/>
     <dgm:cxn modelId="{AF450C89-AB2D-4534-BD54-6CEBB0999015}" type="presOf" srcId="{EE722976-EEB4-40BB-B67B-6E40422A2073}" destId="{2F0CBB40-F51C-4795-BBC7-44BE60FA7F8A}" srcOrd="0" destOrd="0" presId="urn:microsoft.com/office/officeart/2005/8/layout/gear1"/>
     <dgm:cxn modelId="{05F86F65-B27C-4280-B710-F93D6B1265BE}" srcId="{491A2E80-3536-40FA-8C24-00EC6898117B}" destId="{6CFFAED5-134F-4E9F-9BA9-9A5612500730}" srcOrd="0" destOrd="0" parTransId="{9F009BC9-FEA8-44B6-AC9D-1F5CE021D3FB}" sibTransId="{EAB53565-D087-4B0B-84D7-7821268B5CA5}"/>
-    <dgm:cxn modelId="{732A8CC0-1C6D-444E-8FC1-AB3FB804F26F}" type="presOf" srcId="{C6879D36-0C11-4156-A754-E9D390ED8206}" destId="{B8AF209C-C931-4973-A98D-174EFB0F0EA8}" srcOrd="0" destOrd="1" presId="urn:microsoft.com/office/officeart/2005/8/layout/gear1"/>
-    <dgm:cxn modelId="{460725EE-DFE5-441F-8F9B-4CE05FF6873B}" srcId="{00E576A4-E329-4DEE-9734-C32DE024787F}" destId="{AE72B54D-5B4A-436F-9F39-E599D3789AA3}" srcOrd="2" destOrd="0" parTransId="{D8BE5139-DBDE-4B50-83DF-8C14A50B2F3B}" sibTransId="{9F00012A-2726-4A4D-AB6E-A29288456BF4}"/>
-    <dgm:cxn modelId="{1925425B-CB4C-4833-8D9A-BB40F3B9E1A0}" srcId="{00E576A4-E329-4DEE-9734-C32DE024787F}" destId="{1875DFC0-C60C-4AD7-8037-EACF26C121E1}" srcOrd="1" destOrd="0" parTransId="{7EBF63EB-5AE4-4D6C-AC8D-089DF63B85DE}" sibTransId="{05AD7B06-F3C8-477B-93E7-34A2729EE9F0}"/>
+    <dgm:cxn modelId="{460725EE-DFE5-441F-8F9B-4CE05FF6873B}" srcId="{A4AF49ED-80A5-4F5D-B37F-1CA03CA4D9D3}" destId="{AE72B54D-5B4A-436F-9F39-E599D3789AA3}" srcOrd="1" destOrd="0" parTransId="{D8BE5139-DBDE-4B50-83DF-8C14A50B2F3B}" sibTransId="{9F00012A-2726-4A4D-AB6E-A29288456BF4}"/>
+    <dgm:cxn modelId="{1925425B-CB4C-4833-8D9A-BB40F3B9E1A0}" srcId="{A4AF49ED-80A5-4F5D-B37F-1CA03CA4D9D3}" destId="{1875DFC0-C60C-4AD7-8037-EACF26C121E1}" srcOrd="0" destOrd="0" parTransId="{7EBF63EB-5AE4-4D6C-AC8D-089DF63B85DE}" sibTransId="{05AD7B06-F3C8-477B-93E7-34A2729EE9F0}"/>
     <dgm:cxn modelId="{A284A871-8136-4DE8-94BC-2A108373EAD1}" srcId="{E27A7D8B-66CE-482F-AC7B-2BB9BF95D03D}" destId="{AD190890-9BAF-46BE-A6BD-71B328E1391D}" srcOrd="0" destOrd="0" parTransId="{1554AB79-9C3F-48DC-8B4B-205E9162CA32}" sibTransId="{26C36B63-ACB5-46F6-937F-CEFF2AC6751B}"/>
     <dgm:cxn modelId="{FA1014E8-95CE-4778-A43D-2D9171AD1F72}" type="presOf" srcId="{E27A7D8B-66CE-482F-AC7B-2BB9BF95D03D}" destId="{C2E8F758-4F7B-41E2-BDE9-45124B5514A6}" srcOrd="0" destOrd="0" presId="urn:microsoft.com/office/officeart/2005/8/layout/gear1"/>
     <dgm:cxn modelId="{8C235853-B715-4C45-A27F-DE795CDBA3F6}" type="presOf" srcId="{95984D8D-AD49-468A-BC3A-E55DBBBC5FD1}" destId="{22F1F548-45DF-4817-949A-3A91AA9AD10E}" srcOrd="0" destOrd="2" presId="urn:microsoft.com/office/officeart/2005/8/layout/gear1"/>
     <dgm:cxn modelId="{A19C11D8-1737-4606-8BED-A55D15456A01}" type="presOf" srcId="{00E576A4-E329-4DEE-9734-C32DE024787F}" destId="{EA82A5E4-C829-4F63-95FD-0881F15CA93F}" srcOrd="2" destOrd="0" presId="urn:microsoft.com/office/officeart/2005/8/layout/gear1"/>
     <dgm:cxn modelId="{E0AE10AD-5F49-477C-BC2D-8364FA800474}" type="presOf" srcId="{00E576A4-E329-4DEE-9734-C32DE024787F}" destId="{1DF91E66-F9E7-4D34-B067-9AD1A5221340}" srcOrd="0" destOrd="0" presId="urn:microsoft.com/office/officeart/2005/8/layout/gear1"/>
-    <dgm:cxn modelId="{4A0E72AA-7106-492E-A457-167851EB99B0}" srcId="{491A2E80-3536-40FA-8C24-00EC6898117B}" destId="{C6879D36-0C11-4156-A754-E9D390ED8206}" srcOrd="1" destOrd="0" parTransId="{9AC0E236-DD14-4607-BE67-F46E52972215}" sibTransId="{EB0616B7-1C97-4B35-9BB7-BA89E0DE1C0A}"/>
     <dgm:cxn modelId="{B4E64E24-67D5-40C4-A5AC-CCDFF99E99D4}" type="presOf" srcId="{00E576A4-E329-4DEE-9734-C32DE024787F}" destId="{5D0D730D-75E3-48BA-80AB-8119D3C20D62}" srcOrd="1" destOrd="0" presId="urn:microsoft.com/office/officeart/2005/8/layout/gear1"/>
     <dgm:cxn modelId="{0B5E2F94-7721-4394-B83F-7316C3BB6CE4}" type="presOf" srcId="{AE72B54D-5B4A-436F-9F39-E599D3789AA3}" destId="{4FBA56E5-B152-41D7-9224-938F0EE42924}" srcOrd="0" destOrd="2" presId="urn:microsoft.com/office/officeart/2005/8/layout/gear1"/>
     <dgm:cxn modelId="{35C27E33-88B2-4877-B13E-4D8F8B7674F5}" type="presOf" srcId="{1875DFC0-C60C-4AD7-8037-EACF26C121E1}" destId="{4FBA56E5-B152-41D7-9224-938F0EE42924}" srcOrd="0" destOrd="1" presId="urn:microsoft.com/office/officeart/2005/8/layout/gear1"/>
     <dgm:cxn modelId="{8F55EC0F-3288-4BE9-9DED-DEA093012DAC}" srcId="{E6EEB1E0-AB63-404F-82B6-710D16CAABA4}" destId="{E27A7D8B-66CE-482F-AC7B-2BB9BF95D03D}" srcOrd="2" destOrd="0" parTransId="{CC151947-1FC2-44B3-B329-E1B474D0CEBF}" sibTransId="{EE722976-EEB4-40BB-B67B-6E40422A2073}"/>
     <dgm:cxn modelId="{34851B98-7644-46C5-9974-D7358A31226F}" type="presOf" srcId="{6CFFAED5-134F-4E9F-9BA9-9A5612500730}" destId="{B8AF209C-C931-4973-A98D-174EFB0F0EA8}" srcOrd="0" destOrd="0" presId="urn:microsoft.com/office/officeart/2005/8/layout/gear1"/>
-    <dgm:cxn modelId="{0FDDF1D9-BCC2-4AB8-86CC-851D59C77E06}" srcId="{E27A7D8B-66CE-482F-AC7B-2BB9BF95D03D}" destId="{95984D8D-AD49-468A-BC3A-E55DBBBC5FD1}" srcOrd="2" destOrd="0" parTransId="{F5FFB81C-CAAD-4980-95C2-A0B340420C1D}" sibTransId="{FE2F778D-C843-46A0-941C-D89BE8DC1E7E}"/>
+    <dgm:cxn modelId="{0FDDF1D9-BCC2-4AB8-86CC-851D59C77E06}" srcId="{AD190890-9BAF-46BE-A6BD-71B328E1391D}" destId="{95984D8D-AD49-468A-BC3A-E55DBBBC5FD1}" srcOrd="1" destOrd="0" parTransId="{F5FFB81C-CAAD-4980-95C2-A0B340420C1D}" sibTransId="{FE2F778D-C843-46A0-941C-D89BE8DC1E7E}"/>
     <dgm:cxn modelId="{32493147-7503-46D2-8428-21578BE23C93}" type="presOf" srcId="{491A2E80-3536-40FA-8C24-00EC6898117B}" destId="{3F30B174-2C15-4DA2-9706-0228FB5402D4}" srcOrd="2" destOrd="0" presId="urn:microsoft.com/office/officeart/2005/8/layout/gear1"/>
     <dgm:cxn modelId="{283A4AC1-0345-41D1-9242-D6E6CA458D0B}" srcId="{E6EEB1E0-AB63-404F-82B6-710D16CAABA4}" destId="{491A2E80-3536-40FA-8C24-00EC6898117B}" srcOrd="1" destOrd="0" parTransId="{2B16E6A1-DBD7-4FD8-91CE-F7640E95ED30}" sibTransId="{03941930-6FAF-4F9D-B91B-DA2A58F19AC4}"/>
     <dgm:cxn modelId="{D4623868-8517-483D-B244-C87683040164}" type="presOf" srcId="{E27A7D8B-66CE-482F-AC7B-2BB9BF95D03D}" destId="{71FB034B-300A-432E-801A-1041BA587723}" srcOrd="1" destOrd="0" presId="urn:microsoft.com/office/officeart/2005/8/layout/gear1"/>
     <dgm:cxn modelId="{C70CF55C-6BC0-4813-BCDC-1FE53894D045}" srcId="{E6EEB1E0-AB63-404F-82B6-710D16CAABA4}" destId="{00E576A4-E329-4DEE-9734-C32DE024787F}" srcOrd="0" destOrd="0" parTransId="{7A6822AE-59C9-40D4-B1AC-BC65C1A55730}" sibTransId="{70448003-D72C-4CD4-A265-AF57B32FDEEA}"/>
-    <dgm:cxn modelId="{1C47EB70-AB80-4E5A-BCB7-0DAEBAE10727}" srcId="{E27A7D8B-66CE-482F-AC7B-2BB9BF95D03D}" destId="{275AE731-C057-4965-A3CA-61C4A92B2315}" srcOrd="1" destOrd="0" parTransId="{A0EE8C74-21C2-47BE-B0B6-47FE038A1CCD}" sibTransId="{23A793FE-E316-47E8-BF8C-E394CCF1495A}"/>
-    <dgm:cxn modelId="{1A1F2773-7A92-42FC-B3F3-F5B08BD03EE4}" srcId="{491A2E80-3536-40FA-8C24-00EC6898117B}" destId="{FCEE18AC-50A5-4114-822A-7ECCE426A5AE}" srcOrd="2" destOrd="0" parTransId="{668C437B-DB2A-4806-B09C-7999548C5A6D}" sibTransId="{DB188102-BF7F-4F0D-9D1A-E922D6676D51}"/>
+    <dgm:cxn modelId="{1C47EB70-AB80-4E5A-BCB7-0DAEBAE10727}" srcId="{AD190890-9BAF-46BE-A6BD-71B328E1391D}" destId="{275AE731-C057-4965-A3CA-61C4A92B2315}" srcOrd="0" destOrd="0" parTransId="{A0EE8C74-21C2-47BE-B0B6-47FE038A1CCD}" sibTransId="{23A793FE-E316-47E8-BF8C-E394CCF1495A}"/>
+    <dgm:cxn modelId="{1A1F2773-7A92-42FC-B3F3-F5B08BD03EE4}" srcId="{6CFFAED5-134F-4E9F-9BA9-9A5612500730}" destId="{FCEE18AC-50A5-4114-822A-7ECCE426A5AE}" srcOrd="0" destOrd="0" parTransId="{668C437B-DB2A-4806-B09C-7999548C5A6D}" sibTransId="{DB188102-BF7F-4F0D-9D1A-E922D6676D51}"/>
     <dgm:cxn modelId="{5D61C021-E01E-42F1-BFD5-DA7DF5763621}" type="presOf" srcId="{E27A7D8B-66CE-482F-AC7B-2BB9BF95D03D}" destId="{10AFDC16-10E1-4780-8C3F-4CD095ACECF0}" srcOrd="3" destOrd="0" presId="urn:microsoft.com/office/officeart/2005/8/layout/gear1"/>
     <dgm:cxn modelId="{749BBB12-8BCD-4359-9D76-E53E149ACB43}" type="presOf" srcId="{491A2E80-3536-40FA-8C24-00EC6898117B}" destId="{DAF18316-E414-4D1B-9D56-153E16963C31}" srcOrd="1" destOrd="0" presId="urn:microsoft.com/office/officeart/2005/8/layout/gear1"/>
+    <dgm:cxn modelId="{A4170FC7-30BA-4C2E-A99C-946B7C98D01C}" srcId="{6CFFAED5-134F-4E9F-9BA9-9A5612500730}" destId="{F3253CE0-5D4A-44BC-A8C5-F35681B655DD}" srcOrd="1" destOrd="0" parTransId="{504C2168-447F-4022-B9FC-AA92B68DD484}" sibTransId="{ADD55D53-816F-49CA-94BF-5D503388E525}"/>
+    <dgm:cxn modelId="{48C5390F-A849-413D-9DAD-D6C343068C33}" type="presOf" srcId="{F3253CE0-5D4A-44BC-A8C5-F35681B655DD}" destId="{B8AF209C-C931-4973-A98D-174EFB0F0EA8}" srcOrd="0" destOrd="2" presId="urn:microsoft.com/office/officeart/2005/8/layout/gear1"/>
     <dgm:cxn modelId="{6F0EA9E8-07BC-4C77-ABED-B50EAF1D7681}" type="presOf" srcId="{03941930-6FAF-4F9D-B91B-DA2A58F19AC4}" destId="{2A537F5F-4281-4F77-91AC-0BDAD0AF1159}" srcOrd="0" destOrd="0" presId="urn:microsoft.com/office/officeart/2005/8/layout/gear1"/>
-    <dgm:cxn modelId="{CDDD4795-07DE-4653-BC48-47F16DF8B289}" type="presOf" srcId="{FCEE18AC-50A5-4114-822A-7ECCE426A5AE}" destId="{B8AF209C-C931-4973-A98D-174EFB0F0EA8}" srcOrd="0" destOrd="2" presId="urn:microsoft.com/office/officeart/2005/8/layout/gear1"/>
+    <dgm:cxn modelId="{CDDD4795-07DE-4653-BC48-47F16DF8B289}" type="presOf" srcId="{FCEE18AC-50A5-4114-822A-7ECCE426A5AE}" destId="{B8AF209C-C931-4973-A98D-174EFB0F0EA8}" srcOrd="0" destOrd="1" presId="urn:microsoft.com/office/officeart/2005/8/layout/gear1"/>
     <dgm:cxn modelId="{74DB1BFD-B163-49F0-8EAF-C0EA4BF6F652}" type="presOf" srcId="{AD190890-9BAF-46BE-A6BD-71B328E1391D}" destId="{22F1F548-45DF-4817-949A-3A91AA9AD10E}" srcOrd="0" destOrd="0" presId="urn:microsoft.com/office/officeart/2005/8/layout/gear1"/>
     <dgm:cxn modelId="{7F3AE6AE-C44D-4BA0-BF89-78E6A285A3FF}" type="presOf" srcId="{E6EEB1E0-AB63-404F-82B6-710D16CAABA4}" destId="{5CA05269-EB3A-4F4A-A163-C34AEFD16B65}" srcOrd="0" destOrd="0" presId="urn:microsoft.com/office/officeart/2005/8/layout/gear1"/>
     <dgm:cxn modelId="{E66F5CBC-1C34-4DFE-B356-99784241710D}" srcId="{00E576A4-E329-4DEE-9734-C32DE024787F}" destId="{A4AF49ED-80A5-4F5D-B37F-1CA03CA4D9D3}" srcOrd="0" destOrd="0" parTransId="{4BF72B8D-E730-4714-9666-2221264CCECA}" sibTransId="{5FE456C0-E7E6-4232-A456-32E1346232A2}"/>
@@ -1780,7 +1661,7 @@
       </dsp:nvSpPr>
       <dsp:spPr>
         <a:xfrm>
-          <a:off x="2066669" y="1287000"/>
+          <a:off x="1568325" y="1287000"/>
           <a:ext cx="1573001" cy="1573001"/>
         </a:xfrm>
         <a:prstGeom prst="gear9">
@@ -1827,12 +1708,12 @@
         </a:fontRef>
       </dsp:style>
       <dsp:txBody>
-        <a:bodyPr spcFirstLastPara="0" vert="horz" wrap="square" lIns="17780" tIns="17780" rIns="17780" bIns="17780" numCol="1" spcCol="1270" anchor="ctr" anchorCtr="0">
+        <a:bodyPr spcFirstLastPara="0" vert="horz" wrap="square" lIns="15240" tIns="15240" rIns="15240" bIns="15240" numCol="1" spcCol="1270" anchor="ctr" anchorCtr="0">
           <a:noAutofit/>
         </a:bodyPr>
         <a:lstStyle/>
         <a:p>
-          <a:pPr lvl="0" algn="ctr" defTabSz="622300">
+          <a:pPr marL="0" lvl="0" indent="0" algn="ctr" defTabSz="533400">
             <a:lnSpc>
               <a:spcPct val="90000"/>
             </a:lnSpc>
@@ -1842,16 +1723,17 @@
             <a:spcAft>
               <a:spcPct val="35000"/>
             </a:spcAft>
+            <a:buNone/>
           </a:pPr>
           <a:r>
-            <a:rPr lang="en-US" sz="1400" b="1" kern="1200" dirty="0" err="1" smtClean="0"/>
+            <a:rPr lang="en-US" sz="1200" b="1" kern="1200" dirty="0" err="1"/>
             <a:t>TypeScript</a:t>
           </a:r>
-          <a:endParaRPr lang="en-US" sz="1400" kern="1200" dirty="0"/>
+          <a:endParaRPr lang="en-US" sz="1200" kern="1200" dirty="0"/>
         </a:p>
       </dsp:txBody>
       <dsp:txXfrm>
-        <a:off x="2382912" y="1655468"/>
+        <a:off x="1884568" y="1655468"/>
         <a:ext cx="940515" cy="808555"/>
       </dsp:txXfrm>
     </dsp:sp>
@@ -1862,7 +1744,7 @@
       </dsp:nvSpPr>
       <dsp:spPr>
         <a:xfrm>
-          <a:off x="1866469" y="2259401"/>
+          <a:off x="1368125" y="2259401"/>
           <a:ext cx="1001000" cy="600600"/>
         </a:xfrm>
         <a:prstGeom prst="roundRect">
@@ -1909,7 +1791,7 @@
         <a:fontRef idx="minor"/>
       </dsp:style>
       <dsp:txBody>
-        <a:bodyPr spcFirstLastPara="0" vert="horz" wrap="square" lIns="34290" tIns="34290" rIns="34290" bIns="34290" numCol="1" spcCol="1270" anchor="t" anchorCtr="0">
+        <a:bodyPr spcFirstLastPara="0" vert="horz" wrap="square" lIns="26670" tIns="26670" rIns="26670" bIns="26670" numCol="1" spcCol="1270" anchor="t" anchorCtr="0">
           <a:noAutofit/>
         </a:bodyPr>
         <a:lstStyle/>
@@ -1924,16 +1806,15 @@
             <a:spcAft>
               <a:spcPct val="15000"/>
             </a:spcAft>
-            <a:buChar char="••"/>
+            <a:buChar char="•"/>
           </a:pPr>
           <a:r>
-            <a:rPr lang="en-US" sz="700" kern="1200" dirty="0" smtClean="0"/>
-            <a:t>STL &amp; Collection</a:t>
+            <a:rPr lang="en-US" sz="700" b="1" kern="1200" dirty="0"/>
+            <a:t>Fast Development</a:t>
           </a:r>
-          <a:endParaRPr lang="en-US" sz="700" kern="1200" dirty="0"/>
         </a:p>
         <a:p>
-          <a:pPr marL="57150" lvl="1" indent="-57150" algn="l" defTabSz="311150">
+          <a:pPr marL="114300" lvl="2" indent="-57150" algn="l" defTabSz="311150">
             <a:lnSpc>
               <a:spcPct val="90000"/>
             </a:lnSpc>
@@ -1943,16 +1824,15 @@
             <a:spcAft>
               <a:spcPct val="15000"/>
             </a:spcAft>
-            <a:buChar char="••"/>
+            <a:buChar char="•"/>
           </a:pPr>
           <a:r>
-            <a:rPr lang="en-US" sz="700" kern="1200" dirty="0" smtClean="0"/>
+            <a:rPr lang="en-US" sz="700" kern="1200" dirty="0"/>
             <a:t>Cloud Application</a:t>
           </a:r>
-          <a:endParaRPr lang="en-US" sz="700" kern="1200" dirty="0"/>
         </a:p>
         <a:p>
-          <a:pPr marL="57150" lvl="1" indent="-57150" algn="l" defTabSz="311150">
+          <a:pPr marL="114300" lvl="2" indent="-57150" algn="l" defTabSz="311150">
             <a:lnSpc>
               <a:spcPct val="90000"/>
             </a:lnSpc>
@@ -1962,17 +1842,16 @@
             <a:spcAft>
               <a:spcPct val="15000"/>
             </a:spcAft>
-            <a:buChar char="••"/>
+            <a:buChar char="•"/>
           </a:pPr>
           <a:r>
-            <a:rPr lang="en-US" sz="700" kern="1200" dirty="0" smtClean="0"/>
+            <a:rPr lang="en-US" sz="700" kern="1200" dirty="0"/>
             <a:t>Cloud Server</a:t>
           </a:r>
-          <a:endParaRPr lang="en-US" sz="700" kern="1200" dirty="0"/>
         </a:p>
       </dsp:txBody>
       <dsp:txXfrm>
-        <a:off x="1884060" y="2276992"/>
+        <a:off x="1385716" y="2276992"/>
         <a:ext cx="965818" cy="565418"/>
       </dsp:txXfrm>
     </dsp:sp>
@@ -1983,7 +1862,7 @@
       </dsp:nvSpPr>
       <dsp:spPr>
         <a:xfrm>
-          <a:off x="1151469" y="915200"/>
+          <a:off x="653125" y="915200"/>
           <a:ext cx="1144000" cy="1144000"/>
         </a:xfrm>
         <a:prstGeom prst="gear6">
@@ -2030,12 +1909,12 @@
         </a:fontRef>
       </dsp:style>
       <dsp:txBody>
-        <a:bodyPr spcFirstLastPara="0" vert="horz" wrap="square" lIns="17780" tIns="17780" rIns="17780" bIns="17780" numCol="1" spcCol="1270" anchor="ctr" anchorCtr="0">
+        <a:bodyPr spcFirstLastPara="0" vert="horz" wrap="square" lIns="15240" tIns="15240" rIns="15240" bIns="15240" numCol="1" spcCol="1270" anchor="ctr" anchorCtr="0">
           <a:noAutofit/>
         </a:bodyPr>
         <a:lstStyle/>
         <a:p>
-          <a:pPr lvl="0" algn="ctr" defTabSz="622300">
+          <a:pPr marL="0" lvl="0" indent="0" algn="ctr" defTabSz="533400">
             <a:lnSpc>
               <a:spcPct val="90000"/>
             </a:lnSpc>
@@ -2045,16 +1924,16 @@
             <a:spcAft>
               <a:spcPct val="35000"/>
             </a:spcAft>
+            <a:buNone/>
           </a:pPr>
           <a:r>
-            <a:rPr lang="en-US" sz="1400" b="1" kern="1200" dirty="0" smtClean="0"/>
+            <a:rPr lang="en-US" sz="1200" b="1" kern="1200" dirty="0"/>
             <a:t>C++</a:t>
           </a:r>
-          <a:endParaRPr lang="en-US" sz="1400" b="1" kern="1200" dirty="0"/>
         </a:p>
       </dsp:txBody>
       <dsp:txXfrm>
-        <a:off x="1439474" y="1204946"/>
+        <a:off x="941130" y="1204946"/>
         <a:ext cx="567990" cy="564508"/>
       </dsp:txXfrm>
     </dsp:sp>
@@ -2065,7 +1944,7 @@
       </dsp:nvSpPr>
       <dsp:spPr>
         <a:xfrm>
-          <a:off x="779668" y="1658801"/>
+          <a:off x="281324" y="1658801"/>
           <a:ext cx="1001000" cy="600600"/>
         </a:xfrm>
         <a:prstGeom prst="roundRect">
@@ -2112,7 +1991,7 @@
         <a:fontRef idx="minor"/>
       </dsp:style>
       <dsp:txBody>
-        <a:bodyPr spcFirstLastPara="0" vert="horz" wrap="square" lIns="34290" tIns="34290" rIns="34290" bIns="34290" numCol="1" spcCol="1270" anchor="t" anchorCtr="0">
+        <a:bodyPr spcFirstLastPara="0" vert="horz" wrap="square" lIns="26670" tIns="26670" rIns="26670" bIns="26670" numCol="1" spcCol="1270" anchor="t" anchorCtr="0">
           <a:noAutofit/>
         </a:bodyPr>
         <a:lstStyle/>
@@ -2127,16 +2006,15 @@
             <a:spcAft>
               <a:spcPct val="15000"/>
             </a:spcAft>
-            <a:buChar char="••"/>
+            <a:buChar char="•"/>
           </a:pPr>
           <a:r>
-            <a:rPr lang="en-US" sz="700" kern="1200" dirty="0" smtClean="0"/>
-            <a:t>Libraries</a:t>
+            <a:rPr lang="en-US" sz="700" b="1" kern="1200" dirty="0"/>
+            <a:t>Improvement</a:t>
           </a:r>
-          <a:endParaRPr lang="en-US" sz="700" kern="1200" dirty="0"/>
         </a:p>
         <a:p>
-          <a:pPr marL="57150" lvl="1" indent="-57150" algn="l" defTabSz="311150">
+          <a:pPr marL="114300" lvl="2" indent="-57150" algn="l" defTabSz="311150">
             <a:lnSpc>
               <a:spcPct val="90000"/>
             </a:lnSpc>
@@ -2146,16 +2024,15 @@
             <a:spcAft>
               <a:spcPct val="15000"/>
             </a:spcAft>
-            <a:buChar char="••"/>
+            <a:buChar char="•"/>
           </a:pPr>
           <a:r>
-            <a:rPr lang="en-US" sz="700" kern="1200" dirty="0" smtClean="0"/>
-            <a:t>Cloud Server</a:t>
+            <a:rPr lang="en-US" sz="700" kern="1200" dirty="0"/>
+            <a:t>Distributed System</a:t>
           </a:r>
-          <a:endParaRPr lang="en-US" sz="700" kern="1200" dirty="0"/>
         </a:p>
         <a:p>
-          <a:pPr marL="57150" lvl="1" indent="-57150" algn="l" defTabSz="311150">
+          <a:pPr marL="114300" lvl="2" indent="-57150" algn="l" defTabSz="311150">
             <a:lnSpc>
               <a:spcPct val="90000"/>
             </a:lnSpc>
@@ -2165,17 +2042,16 @@
             <a:spcAft>
               <a:spcPct val="15000"/>
             </a:spcAft>
-            <a:buChar char="••"/>
+            <a:buChar char="•"/>
           </a:pPr>
           <a:r>
-            <a:rPr lang="en-US" sz="700" kern="1200" dirty="0" smtClean="0"/>
-            <a:t>Distributed System</a:t>
+            <a:rPr lang="en-US" sz="700" kern="1200" dirty="0"/>
+            <a:t>Performance Tuning</a:t>
           </a:r>
-          <a:endParaRPr lang="en-US" sz="700" kern="1200" dirty="0"/>
         </a:p>
       </dsp:txBody>
       <dsp:txXfrm>
-        <a:off x="797259" y="1676392"/>
+        <a:off x="298915" y="1676392"/>
         <a:ext cx="965818" cy="565418"/>
       </dsp:txXfrm>
     </dsp:sp>
@@ -2186,7 +2062,7 @@
       </dsp:nvSpPr>
       <dsp:spPr>
         <a:xfrm rot="20700000">
-          <a:off x="1792226" y="125956"/>
+          <a:off x="1293882" y="125956"/>
           <a:ext cx="1120887" cy="1120887"/>
         </a:xfrm>
         <a:prstGeom prst="gear6">
@@ -2233,12 +2109,12 @@
         </a:fontRef>
       </dsp:style>
       <dsp:txBody>
-        <a:bodyPr spcFirstLastPara="0" vert="horz" wrap="square" lIns="17780" tIns="17780" rIns="17780" bIns="17780" numCol="1" spcCol="1270" anchor="ctr" anchorCtr="0">
+        <a:bodyPr spcFirstLastPara="0" vert="horz" wrap="square" lIns="15240" tIns="15240" rIns="15240" bIns="15240" numCol="1" spcCol="1270" anchor="ctr" anchorCtr="0">
           <a:noAutofit/>
         </a:bodyPr>
         <a:lstStyle/>
         <a:p>
-          <a:pPr lvl="0" algn="ctr" defTabSz="622300">
+          <a:pPr marL="0" lvl="0" indent="0" algn="ctr" defTabSz="533400">
             <a:lnSpc>
               <a:spcPct val="90000"/>
             </a:lnSpc>
@@ -2248,16 +2124,16 @@
             <a:spcAft>
               <a:spcPct val="35000"/>
             </a:spcAft>
+            <a:buNone/>
           </a:pPr>
           <a:r>
-            <a:rPr lang="en-US" sz="1400" b="1" kern="1200" dirty="0" smtClean="0"/>
+            <a:rPr lang="en-US" sz="1200" b="1" kern="1200" dirty="0"/>
             <a:t>S.F.</a:t>
           </a:r>
-          <a:endParaRPr lang="en-US" sz="1400" b="1" kern="1200" dirty="0"/>
         </a:p>
       </dsp:txBody>
       <dsp:txXfrm rot="-20700000">
-        <a:off x="2038069" y="371800"/>
+        <a:off x="1539725" y="371800"/>
         <a:ext cx="629200" cy="629200"/>
       </dsp:txXfrm>
     </dsp:sp>
@@ -2268,7 +2144,7 @@
       </dsp:nvSpPr>
       <dsp:spPr>
         <a:xfrm>
-          <a:off x="2638670" y="371800"/>
+          <a:off x="2140326" y="371800"/>
           <a:ext cx="1001000" cy="600600"/>
         </a:xfrm>
         <a:prstGeom prst="roundRect">
@@ -2315,7 +2191,7 @@
         <a:fontRef idx="minor"/>
       </dsp:style>
       <dsp:txBody>
-        <a:bodyPr spcFirstLastPara="0" vert="horz" wrap="square" lIns="34290" tIns="34290" rIns="34290" bIns="34290" numCol="1" spcCol="1270" anchor="t" anchorCtr="0">
+        <a:bodyPr spcFirstLastPara="0" vert="horz" wrap="square" lIns="26670" tIns="26670" rIns="26670" bIns="26670" numCol="1" spcCol="1270" anchor="t" anchorCtr="0">
           <a:noAutofit/>
         </a:bodyPr>
         <a:lstStyle/>
@@ -2330,16 +2206,19 @@
             <a:spcAft>
               <a:spcPct val="15000"/>
             </a:spcAft>
-            <a:buChar char="••"/>
+            <a:buChar char="•"/>
           </a:pPr>
           <a:r>
-            <a:rPr lang="en-US" sz="700" kern="1200" dirty="0" smtClean="0"/>
-            <a:t>Invoke &amp; Entity</a:t>
+            <a:rPr lang="en-US" sz="700" b="1" kern="1200" dirty="0"/>
+            <a:t>Samchon Framewor</a:t>
           </a:r>
-          <a:endParaRPr lang="en-US" sz="700" kern="1200" dirty="0"/>
+          <a:r>
+            <a:rPr lang="en-US" sz="700" kern="1200" dirty="0"/>
+            <a:t>k</a:t>
+          </a:r>
         </a:p>
         <a:p>
-          <a:pPr marL="57150" lvl="1" indent="-57150" algn="l" defTabSz="311150">
+          <a:pPr marL="114300" lvl="2" indent="-57150" algn="l" defTabSz="311150">
             <a:lnSpc>
               <a:spcPct val="90000"/>
             </a:lnSpc>
@@ -2349,16 +2228,15 @@
             <a:spcAft>
               <a:spcPct val="15000"/>
             </a:spcAft>
-            <a:buChar char="••"/>
+            <a:buChar char="•"/>
           </a:pPr>
           <a:r>
-            <a:rPr lang="en-US" sz="700" kern="1200" dirty="0" smtClean="0"/>
-            <a:t>Basic Components</a:t>
+            <a:rPr lang="en-US" sz="700" kern="1200" dirty="0"/>
+            <a:t>OON</a:t>
           </a:r>
-          <a:endParaRPr lang="en-US" sz="700" kern="1200" dirty="0"/>
         </a:p>
         <a:p>
-          <a:pPr marL="57150" lvl="1" indent="-57150" algn="l" defTabSz="311150">
+          <a:pPr marL="114300" lvl="2" indent="-57150" algn="l" defTabSz="311150">
             <a:lnSpc>
               <a:spcPct val="90000"/>
             </a:lnSpc>
@@ -2368,17 +2246,16 @@
             <a:spcAft>
               <a:spcPct val="15000"/>
             </a:spcAft>
-            <a:buChar char="••"/>
+            <a:buChar char="•"/>
           </a:pPr>
           <a:r>
-            <a:rPr lang="en-US" sz="700" kern="1200" dirty="0" smtClean="0"/>
-            <a:t>System Templates</a:t>
+            <a:rPr lang="en-US" sz="700" kern="1200" dirty="0"/>
+            <a:t>TypeScript-STL</a:t>
           </a:r>
-          <a:endParaRPr lang="en-US" sz="700" kern="1200" dirty="0"/>
         </a:p>
       </dsp:txBody>
       <dsp:txXfrm>
-        <a:off x="2656261" y="389391"/>
+        <a:off x="2157917" y="389391"/>
         <a:ext cx="965818" cy="565418"/>
       </dsp:txXfrm>
     </dsp:sp>
@@ -2389,7 +2266,7 @@
       </dsp:nvSpPr>
       <dsp:spPr>
         <a:xfrm>
-          <a:off x="1931665" y="1057522"/>
+          <a:off x="1433321" y="1057522"/>
           <a:ext cx="2013441" cy="2013441"/>
         </a:xfrm>
         <a:prstGeom prst="circularArrow">
@@ -2448,7 +2325,7 @@
       </dsp:nvSpPr>
       <dsp:spPr>
         <a:xfrm>
-          <a:off x="948868" y="667802"/>
+          <a:off x="450524" y="667802"/>
           <a:ext cx="1462891" cy="1462891"/>
         </a:xfrm>
         <a:prstGeom prst="leftCircularArrow">
@@ -2507,7 +2384,7 @@
       </dsp:nvSpPr>
       <dsp:spPr>
         <a:xfrm>
-          <a:off x="1532953" y="-113833"/>
+          <a:off x="1034609" y="-113833"/>
           <a:ext cx="1577291" cy="1577291"/>
         </a:xfrm>
         <a:prstGeom prst="circularArrow">
@@ -4618,7 +4495,7 @@
           </a:lstStyle>
           <a:p>
             <a:r>
-              <a:rPr lang="en-US" smtClean="0"/>
+              <a:rPr lang="en-US"/>
               <a:t>Click to edit Master title style</a:t>
             </a:r>
             <a:endParaRPr lang="en-US" dirty="0"/>
@@ -4692,7 +4569,7 @@
           </a:lstStyle>
           <a:p>
             <a:r>
-              <a:rPr lang="en-US" smtClean="0"/>
+              <a:rPr lang="en-US"/>
               <a:t>Click to edit Master subtitle style</a:t>
             </a:r>
             <a:endParaRPr lang="en-US" dirty="0"/>
@@ -4730,7 +4607,7 @@
           <a:p>
             <a:fld id="{D5E05668-898C-446D-A479-06A1031F1A81}" type="datetimeFigureOut">
               <a:rPr lang="en-US" smtClean="0"/>
-              <a:t>7/29/2016</a:t>
+              <a:t>10/12/2016</a:t>
             </a:fld>
             <a:endParaRPr lang="en-US"/>
           </a:p>
@@ -4856,7 +4733,7 @@
           <a:lstStyle/>
           <a:p>
             <a:r>
-              <a:rPr lang="en-US" smtClean="0"/>
+              <a:rPr lang="en-US"/>
               <a:t>Click to edit Master title style</a:t>
             </a:r>
             <a:endParaRPr lang="en-US" dirty="0"/>
@@ -4880,35 +4757,35 @@
           <a:p>
             <a:pPr lvl="0"/>
             <a:r>
-              <a:rPr lang="en-US" smtClean="0"/>
+              <a:rPr lang="en-US"/>
               <a:t>Edit Master text styles</a:t>
             </a:r>
           </a:p>
           <a:p>
             <a:pPr lvl="1"/>
             <a:r>
-              <a:rPr lang="en-US" smtClean="0"/>
+              <a:rPr lang="en-US"/>
               <a:t>Second level</a:t>
             </a:r>
           </a:p>
           <a:p>
             <a:pPr lvl="2"/>
             <a:r>
-              <a:rPr lang="en-US" smtClean="0"/>
+              <a:rPr lang="en-US"/>
               <a:t>Third level</a:t>
             </a:r>
           </a:p>
           <a:p>
             <a:pPr lvl="3"/>
             <a:r>
-              <a:rPr lang="en-US" smtClean="0"/>
+              <a:rPr lang="en-US"/>
               <a:t>Fourth level</a:t>
             </a:r>
           </a:p>
           <a:p>
             <a:pPr lvl="4"/>
             <a:r>
-              <a:rPr lang="en-US" smtClean="0"/>
+              <a:rPr lang="en-US"/>
               <a:t>Fifth level</a:t>
             </a:r>
             <a:endParaRPr lang="en-US" dirty="0"/>
@@ -4932,7 +4809,7 @@
           <a:p>
             <a:fld id="{D5E05668-898C-446D-A479-06A1031F1A81}" type="datetimeFigureOut">
               <a:rPr lang="en-US" smtClean="0"/>
-              <a:t>7/29/2016</a:t>
+              <a:t>10/12/2016</a:t>
             </a:fld>
             <a:endParaRPr lang="en-US"/>
           </a:p>
@@ -5031,7 +4908,7 @@
           <a:lstStyle/>
           <a:p>
             <a:r>
-              <a:rPr lang="en-US" smtClean="0"/>
+              <a:rPr lang="en-US"/>
               <a:t>Click to edit Master title style</a:t>
             </a:r>
             <a:endParaRPr lang="en-US" dirty="0"/>
@@ -5060,35 +4937,35 @@
           <a:p>
             <a:pPr lvl="0"/>
             <a:r>
-              <a:rPr lang="en-US" smtClean="0"/>
+              <a:rPr lang="en-US"/>
               <a:t>Edit Master text styles</a:t>
             </a:r>
           </a:p>
           <a:p>
             <a:pPr lvl="1"/>
             <a:r>
-              <a:rPr lang="en-US" smtClean="0"/>
+              <a:rPr lang="en-US"/>
               <a:t>Second level</a:t>
             </a:r>
           </a:p>
           <a:p>
             <a:pPr lvl="2"/>
             <a:r>
-              <a:rPr lang="en-US" smtClean="0"/>
+              <a:rPr lang="en-US"/>
               <a:t>Third level</a:t>
             </a:r>
           </a:p>
           <a:p>
             <a:pPr lvl="3"/>
             <a:r>
-              <a:rPr lang="en-US" smtClean="0"/>
+              <a:rPr lang="en-US"/>
               <a:t>Fourth level</a:t>
             </a:r>
           </a:p>
           <a:p>
             <a:pPr lvl="4"/>
             <a:r>
-              <a:rPr lang="en-US" smtClean="0"/>
+              <a:rPr lang="en-US"/>
               <a:t>Fifth level</a:t>
             </a:r>
             <a:endParaRPr lang="en-US" dirty="0"/>
@@ -5112,7 +4989,7 @@
           <a:p>
             <a:fld id="{D5E05668-898C-446D-A479-06A1031F1A81}" type="datetimeFigureOut">
               <a:rPr lang="en-US" smtClean="0"/>
-              <a:t>7/29/2016</a:t>
+              <a:t>10/12/2016</a:t>
             </a:fld>
             <a:endParaRPr lang="en-US"/>
           </a:p>
@@ -5206,7 +5083,7 @@
           <a:lstStyle/>
           <a:p>
             <a:r>
-              <a:rPr lang="en-US" smtClean="0"/>
+              <a:rPr lang="en-US"/>
               <a:t>Click to edit Master title style</a:t>
             </a:r>
             <a:endParaRPr lang="en-US" dirty="0"/>
@@ -5230,35 +5107,35 @@
           <a:p>
             <a:pPr lvl="0"/>
             <a:r>
-              <a:rPr lang="en-US" smtClean="0"/>
+              <a:rPr lang="en-US"/>
               <a:t>Edit Master text styles</a:t>
             </a:r>
           </a:p>
           <a:p>
             <a:pPr lvl="1"/>
             <a:r>
-              <a:rPr lang="en-US" smtClean="0"/>
+              <a:rPr lang="en-US"/>
               <a:t>Second level</a:t>
             </a:r>
           </a:p>
           <a:p>
             <a:pPr lvl="2"/>
             <a:r>
-              <a:rPr lang="en-US" smtClean="0"/>
+              <a:rPr lang="en-US"/>
               <a:t>Third level</a:t>
             </a:r>
           </a:p>
           <a:p>
             <a:pPr lvl="3"/>
             <a:r>
-              <a:rPr lang="en-US" smtClean="0"/>
+              <a:rPr lang="en-US"/>
               <a:t>Fourth level</a:t>
             </a:r>
           </a:p>
           <a:p>
             <a:pPr lvl="4"/>
             <a:r>
-              <a:rPr lang="en-US" smtClean="0"/>
+              <a:rPr lang="en-US"/>
               <a:t>Fifth level</a:t>
             </a:r>
             <a:endParaRPr lang="en-US" dirty="0"/>
@@ -5282,7 +5159,7 @@
           <a:p>
             <a:fld id="{D5E05668-898C-446D-A479-06A1031F1A81}" type="datetimeFigureOut">
               <a:rPr lang="en-US" smtClean="0"/>
-              <a:t>7/29/2016</a:t>
+              <a:t>10/12/2016</a:t>
             </a:fld>
             <a:endParaRPr lang="en-US"/>
           </a:p>
@@ -5693,7 +5570,7 @@
           </a:lstStyle>
           <a:p>
             <a:r>
-              <a:rPr lang="en-US" smtClean="0"/>
+              <a:rPr lang="en-US"/>
               <a:t>Click to edit Master title style</a:t>
             </a:r>
             <a:endParaRPr lang="en-US" dirty="0"/>
@@ -5814,7 +5691,7 @@
           <a:p>
             <a:pPr lvl="0"/>
             <a:r>
-              <a:rPr lang="en-US" smtClean="0"/>
+              <a:rPr lang="en-US"/>
               <a:t>Edit Master text styles</a:t>
             </a:r>
           </a:p>
@@ -5853,7 +5730,7 @@
           <a:p>
             <a:fld id="{D5E05668-898C-446D-A479-06A1031F1A81}" type="datetimeFigureOut">
               <a:rPr lang="en-US" smtClean="0"/>
-              <a:t>7/29/2016</a:t>
+              <a:t>10/12/2016</a:t>
             </a:fld>
             <a:endParaRPr lang="en-US"/>
           </a:p>
@@ -5961,7 +5838,7 @@
           <a:lstStyle/>
           <a:p>
             <a:r>
-              <a:rPr lang="en-US" smtClean="0"/>
+              <a:rPr lang="en-US"/>
               <a:t>Click to edit Master title style</a:t>
             </a:r>
             <a:endParaRPr lang="en-US" dirty="0"/>
@@ -6018,35 +5895,35 @@
           <a:p>
             <a:pPr lvl="0"/>
             <a:r>
-              <a:rPr lang="en-US" smtClean="0"/>
+              <a:rPr lang="en-US"/>
               <a:t>Edit Master text styles</a:t>
             </a:r>
           </a:p>
           <a:p>
             <a:pPr lvl="1"/>
             <a:r>
-              <a:rPr lang="en-US" smtClean="0"/>
+              <a:rPr lang="en-US"/>
               <a:t>Second level</a:t>
             </a:r>
           </a:p>
           <a:p>
             <a:pPr lvl="2"/>
             <a:r>
-              <a:rPr lang="en-US" smtClean="0"/>
+              <a:rPr lang="en-US"/>
               <a:t>Third level</a:t>
             </a:r>
           </a:p>
           <a:p>
             <a:pPr lvl="3"/>
             <a:r>
-              <a:rPr lang="en-US" smtClean="0"/>
+              <a:rPr lang="en-US"/>
               <a:t>Fourth level</a:t>
             </a:r>
           </a:p>
           <a:p>
             <a:pPr lvl="4"/>
             <a:r>
-              <a:rPr lang="en-US" smtClean="0"/>
+              <a:rPr lang="en-US"/>
               <a:t>Fifth level</a:t>
             </a:r>
             <a:endParaRPr lang="en-US" dirty="0"/>
@@ -6103,35 +5980,35 @@
           <a:p>
             <a:pPr lvl="0"/>
             <a:r>
-              <a:rPr lang="en-US" smtClean="0"/>
+              <a:rPr lang="en-US"/>
               <a:t>Edit Master text styles</a:t>
             </a:r>
           </a:p>
           <a:p>
             <a:pPr lvl="1"/>
             <a:r>
-              <a:rPr lang="en-US" smtClean="0"/>
+              <a:rPr lang="en-US"/>
               <a:t>Second level</a:t>
             </a:r>
           </a:p>
           <a:p>
             <a:pPr lvl="2"/>
             <a:r>
-              <a:rPr lang="en-US" smtClean="0"/>
+              <a:rPr lang="en-US"/>
               <a:t>Third level</a:t>
             </a:r>
           </a:p>
           <a:p>
             <a:pPr lvl="3"/>
             <a:r>
-              <a:rPr lang="en-US" smtClean="0"/>
+              <a:rPr lang="en-US"/>
               <a:t>Fourth level</a:t>
             </a:r>
           </a:p>
           <a:p>
             <a:pPr lvl="4"/>
             <a:r>
-              <a:rPr lang="en-US" smtClean="0"/>
+              <a:rPr lang="en-US"/>
               <a:t>Fifth level</a:t>
             </a:r>
             <a:endParaRPr lang="en-US" dirty="0"/>
@@ -6155,7 +6032,7 @@
           <a:p>
             <a:fld id="{D5E05668-898C-446D-A479-06A1031F1A81}" type="datetimeFigureOut">
               <a:rPr lang="en-US" smtClean="0"/>
-              <a:t>7/29/2016</a:t>
+              <a:t>10/12/2016</a:t>
             </a:fld>
             <a:endParaRPr lang="en-US"/>
           </a:p>
@@ -6254,7 +6131,7 @@
           <a:lstStyle/>
           <a:p>
             <a:r>
-              <a:rPr lang="en-US" smtClean="0"/>
+              <a:rPr lang="en-US"/>
               <a:t>Click to edit Master title style</a:t>
             </a:r>
             <a:endParaRPr lang="en-US" dirty="0"/>
@@ -6330,7 +6207,7 @@
           <a:p>
             <a:pPr lvl="0"/>
             <a:r>
-              <a:rPr lang="en-US" smtClean="0"/>
+              <a:rPr lang="en-US"/>
               <a:t>Edit Master text styles</a:t>
             </a:r>
           </a:p>
@@ -6386,35 +6263,35 @@
           <a:p>
             <a:pPr lvl="0"/>
             <a:r>
-              <a:rPr lang="en-US" smtClean="0"/>
+              <a:rPr lang="en-US"/>
               <a:t>Edit Master text styles</a:t>
             </a:r>
           </a:p>
           <a:p>
             <a:pPr lvl="1"/>
             <a:r>
-              <a:rPr lang="en-US" smtClean="0"/>
+              <a:rPr lang="en-US"/>
               <a:t>Second level</a:t>
             </a:r>
           </a:p>
           <a:p>
             <a:pPr lvl="2"/>
             <a:r>
-              <a:rPr lang="en-US" smtClean="0"/>
+              <a:rPr lang="en-US"/>
               <a:t>Third level</a:t>
             </a:r>
           </a:p>
           <a:p>
             <a:pPr lvl="3"/>
             <a:r>
-              <a:rPr lang="en-US" smtClean="0"/>
+              <a:rPr lang="en-US"/>
               <a:t>Fourth level</a:t>
             </a:r>
           </a:p>
           <a:p>
             <a:pPr lvl="4"/>
             <a:r>
-              <a:rPr lang="en-US" smtClean="0"/>
+              <a:rPr lang="en-US"/>
               <a:t>Fifth level</a:t>
             </a:r>
             <a:endParaRPr lang="en-US" dirty="0"/>
@@ -6489,7 +6366,7 @@
           <a:p>
             <a:pPr lvl="0"/>
             <a:r>
-              <a:rPr lang="en-US" smtClean="0"/>
+              <a:rPr lang="en-US"/>
               <a:t>Edit Master text styles</a:t>
             </a:r>
           </a:p>
@@ -6545,35 +6422,35 @@
           <a:p>
             <a:pPr lvl="0"/>
             <a:r>
-              <a:rPr lang="en-US" smtClean="0"/>
+              <a:rPr lang="en-US"/>
               <a:t>Edit Master text styles</a:t>
             </a:r>
           </a:p>
           <a:p>
             <a:pPr lvl="1"/>
             <a:r>
-              <a:rPr lang="en-US" smtClean="0"/>
+              <a:rPr lang="en-US"/>
               <a:t>Second level</a:t>
             </a:r>
           </a:p>
           <a:p>
             <a:pPr lvl="2"/>
             <a:r>
-              <a:rPr lang="en-US" smtClean="0"/>
+              <a:rPr lang="en-US"/>
               <a:t>Third level</a:t>
             </a:r>
           </a:p>
           <a:p>
             <a:pPr lvl="3"/>
             <a:r>
-              <a:rPr lang="en-US" smtClean="0"/>
+              <a:rPr lang="en-US"/>
               <a:t>Fourth level</a:t>
             </a:r>
           </a:p>
           <a:p>
             <a:pPr lvl="4"/>
             <a:r>
-              <a:rPr lang="en-US" smtClean="0"/>
+              <a:rPr lang="en-US"/>
               <a:t>Fifth level</a:t>
             </a:r>
             <a:endParaRPr lang="en-US" dirty="0"/>
@@ -6597,7 +6474,7 @@
           <a:p>
             <a:fld id="{D5E05668-898C-446D-A479-06A1031F1A81}" type="datetimeFigureOut">
               <a:rPr lang="en-US" smtClean="0"/>
-              <a:t>7/29/2016</a:t>
+              <a:t>10/12/2016</a:t>
             </a:fld>
             <a:endParaRPr lang="en-US"/>
           </a:p>
@@ -6696,7 +6573,7 @@
           <a:lstStyle/>
           <a:p>
             <a:r>
-              <a:rPr lang="en-US" smtClean="0"/>
+              <a:rPr lang="en-US"/>
               <a:t>Click to edit Master title style</a:t>
             </a:r>
             <a:endParaRPr lang="en-US" dirty="0"/>
@@ -6720,7 +6597,7 @@
           <a:p>
             <a:fld id="{D5E05668-898C-446D-A479-06A1031F1A81}" type="datetimeFigureOut">
               <a:rPr lang="en-US" smtClean="0"/>
-              <a:t>7/29/2016</a:t>
+              <a:t>10/12/2016</a:t>
             </a:fld>
             <a:endParaRPr lang="en-US"/>
           </a:p>
@@ -6815,7 +6692,7 @@
           <a:p>
             <a:fld id="{D5E05668-898C-446D-A479-06A1031F1A81}" type="datetimeFigureOut">
               <a:rPr lang="en-US" smtClean="0"/>
-              <a:t>7/29/2016</a:t>
+              <a:t>10/12/2016</a:t>
             </a:fld>
             <a:endParaRPr lang="en-US"/>
           </a:p>
@@ -7011,7 +6888,7 @@
           </a:lstStyle>
           <a:p>
             <a:r>
-              <a:rPr lang="en-US" smtClean="0"/>
+              <a:rPr lang="en-US"/>
               <a:t>Click to edit Master title style</a:t>
             </a:r>
             <a:endParaRPr lang="en-US" dirty="0"/>
@@ -7068,35 +6945,35 @@
           <a:p>
             <a:pPr lvl="0"/>
             <a:r>
-              <a:rPr lang="en-US" smtClean="0"/>
+              <a:rPr lang="en-US"/>
               <a:t>Edit Master text styles</a:t>
             </a:r>
           </a:p>
           <a:p>
             <a:pPr lvl="1"/>
             <a:r>
-              <a:rPr lang="en-US" smtClean="0"/>
+              <a:rPr lang="en-US"/>
               <a:t>Second level</a:t>
             </a:r>
           </a:p>
           <a:p>
             <a:pPr lvl="2"/>
             <a:r>
-              <a:rPr lang="en-US" smtClean="0"/>
+              <a:rPr lang="en-US"/>
               <a:t>Third level</a:t>
             </a:r>
           </a:p>
           <a:p>
             <a:pPr lvl="3"/>
             <a:r>
-              <a:rPr lang="en-US" smtClean="0"/>
+              <a:rPr lang="en-US"/>
               <a:t>Fourth level</a:t>
             </a:r>
           </a:p>
           <a:p>
             <a:pPr lvl="4"/>
             <a:r>
-              <a:rPr lang="en-US" smtClean="0"/>
+              <a:rPr lang="en-US"/>
               <a:t>Fifth level</a:t>
             </a:r>
             <a:endParaRPr lang="en-US" dirty="0"/>
@@ -7174,7 +7051,7 @@
           <a:p>
             <a:pPr lvl="0"/>
             <a:r>
-              <a:rPr lang="en-US" smtClean="0"/>
+              <a:rPr lang="en-US"/>
               <a:t>Edit Master text styles</a:t>
             </a:r>
           </a:p>
@@ -7197,7 +7074,7 @@
           <a:p>
             <a:fld id="{D5E05668-898C-446D-A479-06A1031F1A81}" type="datetimeFigureOut">
               <a:rPr lang="en-US" smtClean="0"/>
-              <a:t>7/29/2016</a:t>
+              <a:t>10/12/2016</a:t>
             </a:fld>
             <a:endParaRPr lang="en-US"/>
           </a:p>
@@ -7406,7 +7283,7 @@
           </a:lstStyle>
           <a:p>
             <a:r>
-              <a:rPr lang="en-US" smtClean="0"/>
+              <a:rPr lang="en-US"/>
               <a:t>Click to edit Master title style</a:t>
             </a:r>
             <a:endParaRPr lang="en-US" dirty="0"/>
@@ -7480,7 +7357,7 @@
           </a:lstStyle>
           <a:p>
             <a:r>
-              <a:rPr lang="en-US" smtClean="0"/>
+              <a:rPr lang="en-US"/>
               <a:t>Click icon to add picture</a:t>
             </a:r>
             <a:endParaRPr lang="en-US" dirty="0"/>
@@ -7558,7 +7435,7 @@
           <a:p>
             <a:pPr lvl="0"/>
             <a:r>
-              <a:rPr lang="en-US" smtClean="0"/>
+              <a:rPr lang="en-US"/>
               <a:t>Edit Master text styles</a:t>
             </a:r>
           </a:p>
@@ -7596,7 +7473,7 @@
           <a:p>
             <a:fld id="{D5E05668-898C-446D-A479-06A1031F1A81}" type="datetimeFigureOut">
               <a:rPr lang="en-US" smtClean="0"/>
-              <a:t>7/29/2016</a:t>
+              <a:t>10/12/2016</a:t>
             </a:fld>
             <a:endParaRPr lang="en-US"/>
           </a:p>
@@ -7804,7 +7681,7 @@
           <a:lstStyle/>
           <a:p>
             <a:r>
-              <a:rPr lang="en-US" smtClean="0"/>
+              <a:rPr lang="en-US"/>
               <a:t>Click to edit Master title style</a:t>
             </a:r>
             <a:endParaRPr lang="en-US" dirty="0"/>
@@ -7838,35 +7715,35 @@
           <a:p>
             <a:pPr lvl="0"/>
             <a:r>
-              <a:rPr lang="en-US" smtClean="0"/>
+              <a:rPr lang="en-US"/>
               <a:t>Edit Master text styles</a:t>
             </a:r>
           </a:p>
           <a:p>
             <a:pPr lvl="1"/>
             <a:r>
-              <a:rPr lang="en-US" smtClean="0"/>
+              <a:rPr lang="en-US"/>
               <a:t>Second level</a:t>
             </a:r>
           </a:p>
           <a:p>
             <a:pPr lvl="2"/>
             <a:r>
-              <a:rPr lang="en-US" smtClean="0"/>
+              <a:rPr lang="en-US"/>
               <a:t>Third level</a:t>
             </a:r>
           </a:p>
           <a:p>
             <a:pPr lvl="3"/>
             <a:r>
-              <a:rPr lang="en-US" smtClean="0"/>
+              <a:rPr lang="en-US"/>
               <a:t>Fourth level</a:t>
             </a:r>
           </a:p>
           <a:p>
             <a:pPr lvl="4"/>
             <a:r>
-              <a:rPr lang="en-US" smtClean="0"/>
+              <a:rPr lang="en-US"/>
               <a:t>Fifth level</a:t>
             </a:r>
             <a:endParaRPr lang="en-US" dirty="0"/>
@@ -7909,7 +7786,7 @@
           <a:p>
             <a:fld id="{D5E05668-898C-446D-A479-06A1031F1A81}" type="datetimeFigureOut">
               <a:rPr lang="en-US" smtClean="0"/>
-              <a:t>7/29/2016</a:t>
+              <a:t>10/12/2016</a:t>
             </a:fld>
             <a:endParaRPr lang="en-US"/>
           </a:p>
@@ -8392,14 +8269,14 @@
             <p:ph idx="1"/>
             <p:extLst>
               <p:ext uri="{D42A27DB-BD31-4B8C-83A1-F6EECF244321}">
-                <p14:modId xmlns:p14="http://schemas.microsoft.com/office/powerpoint/2010/main" val="2916235501"/>
+                <p14:modId xmlns:p14="http://schemas.microsoft.com/office/powerpoint/2010/main" val="3843581768"/>
               </p:ext>
             </p:extLst>
           </p:nvPr>
         </p:nvGraphicFramePr>
         <p:xfrm>
-          <a:off x="628649" y="3092336"/>
-          <a:ext cx="4419340" cy="2860002"/>
+          <a:off x="260348" y="3270136"/>
+          <a:ext cx="3422652" cy="2860002"/>
         </p:xfrm>
         <a:graphic>
           <a:graphicData uri="http://schemas.openxmlformats.org/drawingml/2006/diagram">
@@ -8417,13 +8294,6 @@
   <p:clrMapOvr>
     <a:masterClrMapping/>
   </p:clrMapOvr>
-  <p:timing>
-    <p:tnLst>
-      <p:par>
-        <p:cTn id="1" dur="indefinite" restart="never" nodeType="tmRoot"/>
-      </p:par>
-    </p:tnLst>
-  </p:timing>
 </p:sld>
 </file>
 
